--- a/presentation/2023_5_26.pptx
+++ b/presentation/2023_5_26.pptx
@@ -7,6 +7,7 @@
   <p:sldIdLst>
     <p:sldId id="256" r:id="rId2"/>
     <p:sldId id="257" r:id="rId3"/>
+    <p:sldId id="258" r:id="rId4"/>
   </p:sldIdLst>
   <p:sldSz cx="12192000" cy="6858000"/>
   <p:notesSz cx="6858000" cy="9144000"/>
@@ -105,6 +106,11 @@
       </a:defRPr>
     </a:lvl9pPr>
   </p:defaultTextStyle>
+  <p:extLst>
+    <p:ext uri="{EFAFB233-063F-42B5-8137-9DF3F51BA10A}">
+      <p15:sldGuideLst xmlns:p15="http://schemas.microsoft.com/office/powerpoint/2012/main"/>
+    </p:ext>
+  </p:extLst>
 </p:presentation>
 </file>
 
@@ -3324,10 +3330,10 @@
       </p:grpSpPr>
       <p:pic>
         <p:nvPicPr>
-          <p:cNvPr id="4" name="图片 3">
-            <a:extLst>
-              <a:ext uri="{FF2B5EF4-FFF2-40B4-BE49-F238E27FC236}">
-                <a16:creationId xmlns:a16="http://schemas.microsoft.com/office/drawing/2014/main" id="{64FC265A-EC98-4841-B1BD-4A3F5DEC065E}"/>
+          <p:cNvPr id="5" name="图片 4">
+            <a:extLst>
+              <a:ext uri="{FF2B5EF4-FFF2-40B4-BE49-F238E27FC236}">
+                <a16:creationId xmlns:a16="http://schemas.microsoft.com/office/drawing/2014/main" id="{C3E8134A-CE60-4552-961C-7EF886785BA9}"/>
               </a:ext>
             </a:extLst>
           </p:cNvPr>
@@ -3336,16 +3342,15 @@
           </p:cNvPicPr>
           <p:nvPr/>
         </p:nvPicPr>
-        <p:blipFill>
+        <p:blipFill rotWithShape="1">
           <a:blip r:embed="rId2"/>
-          <a:stretch>
-            <a:fillRect/>
-          </a:stretch>
+          <a:srcRect l="1233" t="1397"/>
+          <a:stretch/>
         </p:blipFill>
         <p:spPr>
           <a:xfrm>
-            <a:off x="0" y="1252105"/>
-            <a:ext cx="5313872" cy="3985404"/>
+            <a:off x="5584167" y="340311"/>
+            <a:ext cx="6390025" cy="2479089"/>
           </a:xfrm>
           <a:prstGeom prst="rect">
             <a:avLst/>
@@ -3354,10 +3359,10 @@
       </p:pic>
       <p:pic>
         <p:nvPicPr>
-          <p:cNvPr id="5" name="图片 4">
-            <a:extLst>
-              <a:ext uri="{FF2B5EF4-FFF2-40B4-BE49-F238E27FC236}">
-                <a16:creationId xmlns:a16="http://schemas.microsoft.com/office/drawing/2014/main" id="{C3E8134A-CE60-4552-961C-7EF886785BA9}"/>
+          <p:cNvPr id="6" name="图片 5">
+            <a:extLst>
+              <a:ext uri="{FF2B5EF4-FFF2-40B4-BE49-F238E27FC236}">
+                <a16:creationId xmlns:a16="http://schemas.microsoft.com/office/drawing/2014/main" id="{9E2EFAFA-14EA-4C92-9821-3D5681AC72FE}"/>
               </a:ext>
             </a:extLst>
           </p:cNvPr>
@@ -3374,20 +3379,136 @@
         </p:blipFill>
         <p:spPr>
           <a:xfrm>
-            <a:off x="5584167" y="914791"/>
-            <a:ext cx="6469811" cy="2514209"/>
+            <a:off x="5367081" y="3696532"/>
+            <a:ext cx="6469812" cy="2580892"/>
           </a:xfrm>
           <a:prstGeom prst="rect">
             <a:avLst/>
           </a:prstGeom>
         </p:spPr>
       </p:pic>
+      <p:sp>
+        <p:nvSpPr>
+          <p:cNvPr id="2" name="文本框 1">
+            <a:extLst>
+              <a:ext uri="{FF2B5EF4-FFF2-40B4-BE49-F238E27FC236}">
+                <a16:creationId xmlns:a16="http://schemas.microsoft.com/office/drawing/2014/main" id="{0BA6C654-0068-4CFE-B1A3-DF9E986FBBA9}"/>
+              </a:ext>
+            </a:extLst>
+          </p:cNvPr>
+          <p:cNvSpPr txBox="1"/>
+          <p:nvPr/>
+        </p:nvSpPr>
+        <p:spPr>
+          <a:xfrm>
+            <a:off x="1126293" y="6148357"/>
+            <a:ext cx="3112332" cy="369332"/>
+          </a:xfrm>
+          <a:prstGeom prst="rect">
+            <a:avLst/>
+          </a:prstGeom>
+          <a:noFill/>
+        </p:spPr>
+        <p:txBody>
+          <a:bodyPr wrap="square" rtlCol="0">
+            <a:spAutoFit/>
+          </a:bodyPr>
+          <a:lstStyle/>
+          <a:p>
+            <a:r>
+              <a:rPr lang="en-US" altLang="zh-CN" dirty="0"/>
+              <a:t>Add Gabor Filter to </a:t>
+            </a:r>
+            <a:r>
+              <a:rPr lang="en-US" altLang="zh-CN" dirty="0" err="1"/>
+              <a:t>AlexNet</a:t>
+            </a:r>
+            <a:endParaRPr lang="zh-CN" altLang="en-US" dirty="0"/>
+          </a:p>
+        </p:txBody>
+      </p:sp>
+      <p:sp>
+        <p:nvSpPr>
+          <p:cNvPr id="3" name="文本框 2">
+            <a:extLst>
+              <a:ext uri="{FF2B5EF4-FFF2-40B4-BE49-F238E27FC236}">
+                <a16:creationId xmlns:a16="http://schemas.microsoft.com/office/drawing/2014/main" id="{67ECE113-DD70-4955-9D92-BABDED7BC0F2}"/>
+              </a:ext>
+            </a:extLst>
+          </p:cNvPr>
+          <p:cNvSpPr txBox="1"/>
+          <p:nvPr/>
+        </p:nvSpPr>
+        <p:spPr>
+          <a:xfrm>
+            <a:off x="8382000" y="2936259"/>
+            <a:ext cx="2543175" cy="369332"/>
+          </a:xfrm>
+          <a:prstGeom prst="rect">
+            <a:avLst/>
+          </a:prstGeom>
+          <a:noFill/>
+        </p:spPr>
+        <p:txBody>
+          <a:bodyPr wrap="square" rtlCol="0">
+            <a:spAutoFit/>
+          </a:bodyPr>
+          <a:lstStyle/>
+          <a:p>
+            <a:r>
+              <a:rPr lang="en-US" altLang="zh-CN" dirty="0"/>
+              <a:t>Tang et al.</a:t>
+            </a:r>
+            <a:endParaRPr lang="zh-CN" altLang="en-US" dirty="0"/>
+          </a:p>
+        </p:txBody>
+      </p:sp>
+      <p:sp>
+        <p:nvSpPr>
+          <p:cNvPr id="7" name="文本框 6">
+            <a:extLst>
+              <a:ext uri="{FF2B5EF4-FFF2-40B4-BE49-F238E27FC236}">
+                <a16:creationId xmlns:a16="http://schemas.microsoft.com/office/drawing/2014/main" id="{1BFDE929-2CD9-4F50-97FB-FF6C58972E3A}"/>
+              </a:ext>
+            </a:extLst>
+          </p:cNvPr>
+          <p:cNvSpPr txBox="1"/>
+          <p:nvPr/>
+        </p:nvSpPr>
+        <p:spPr>
+          <a:xfrm>
+            <a:off x="8261596" y="6258823"/>
+            <a:ext cx="1724025" cy="369332"/>
+          </a:xfrm>
+          <a:prstGeom prst="rect">
+            <a:avLst/>
+          </a:prstGeom>
+          <a:noFill/>
+        </p:spPr>
+        <p:txBody>
+          <a:bodyPr wrap="square" rtlCol="0">
+            <a:spAutoFit/>
+          </a:bodyPr>
+          <a:lstStyle/>
+          <a:p>
+            <a:r>
+              <a:rPr lang="en-US" altLang="zh-CN" dirty="0" err="1"/>
+              <a:t>AlexNet</a:t>
+            </a:r>
+            <a:r>
+              <a:rPr lang="en-US" altLang="zh-CN" dirty="0"/>
+              <a:t> paper</a:t>
+            </a:r>
+            <a:endParaRPr lang="zh-CN" altLang="en-US" dirty="0"/>
+          </a:p>
+        </p:txBody>
+      </p:sp>
       <p:pic>
         <p:nvPicPr>
-          <p:cNvPr id="6" name="图片 5">
-            <a:extLst>
-              <a:ext uri="{FF2B5EF4-FFF2-40B4-BE49-F238E27FC236}">
-                <a16:creationId xmlns:a16="http://schemas.microsoft.com/office/drawing/2014/main" id="{9E2EFAFA-14EA-4C92-9821-3D5681AC72FE}"/>
+          <p:cNvPr id="8" name="图片 7">
+            <a:extLst>
+              <a:ext uri="{FF2B5EF4-FFF2-40B4-BE49-F238E27FC236}">
+                <a16:creationId xmlns:a16="http://schemas.microsoft.com/office/drawing/2014/main" id="{7C49A9C3-2E0F-47C8-9AE4-09157D21B0ED}"/>
               </a:ext>
             </a:extLst>
           </p:cNvPr>
@@ -3404,8 +3525,38 @@
         </p:blipFill>
         <p:spPr>
           <a:xfrm>
-            <a:off x="5584167" y="3791782"/>
-            <a:ext cx="6469812" cy="2580892"/>
+            <a:off x="682209" y="3157393"/>
+            <a:ext cx="3939759" cy="2990964"/>
+          </a:xfrm>
+          <a:prstGeom prst="rect">
+            <a:avLst/>
+          </a:prstGeom>
+        </p:spPr>
+      </p:pic>
+      <p:pic>
+        <p:nvPicPr>
+          <p:cNvPr id="9" name="图片 8">
+            <a:extLst>
+              <a:ext uri="{FF2B5EF4-FFF2-40B4-BE49-F238E27FC236}">
+                <a16:creationId xmlns:a16="http://schemas.microsoft.com/office/drawing/2014/main" id="{D5BBDB2C-DBDF-4FF8-A58B-0990E408FFDB}"/>
+              </a:ext>
+            </a:extLst>
+          </p:cNvPr>
+          <p:cNvPicPr>
+            <a:picLocks noChangeAspect="1"/>
+          </p:cNvPicPr>
+          <p:nvPr/>
+        </p:nvPicPr>
+        <p:blipFill>
+          <a:blip r:embed="rId5"/>
+          <a:stretch>
+            <a:fillRect/>
+          </a:stretch>
+        </p:blipFill>
+        <p:spPr>
+          <a:xfrm>
+            <a:off x="606009" y="80106"/>
+            <a:ext cx="3939759" cy="3055137"/>
           </a:xfrm>
           <a:prstGeom prst="rect">
             <a:avLst/>
@@ -3442,10 +3593,280 @@
           <a:chExt cx="0" cy="0"/>
         </a:xfrm>
       </p:grpSpPr>
+      <p:pic>
+        <p:nvPicPr>
+          <p:cNvPr id="3" name="图片 2">
+            <a:extLst>
+              <a:ext uri="{FF2B5EF4-FFF2-40B4-BE49-F238E27FC236}">
+                <a16:creationId xmlns:a16="http://schemas.microsoft.com/office/drawing/2014/main" id="{331BE73C-0CBB-4B9F-88D1-FDEC1E3BC385}"/>
+              </a:ext>
+            </a:extLst>
+          </p:cNvPr>
+          <p:cNvPicPr>
+            <a:picLocks noChangeAspect="1"/>
+          </p:cNvPicPr>
+          <p:nvPr/>
+        </p:nvPicPr>
+        <p:blipFill>
+          <a:blip r:embed="rId2">
+            <a:extLst>
+              <a:ext uri="{28A0092B-C50C-407E-A947-70E740481C1C}">
+                <a14:useLocalDpi xmlns:a14="http://schemas.microsoft.com/office/drawing/2010/main" val="0"/>
+              </a:ext>
+            </a:extLst>
+          </a:blip>
+          <a:stretch>
+            <a:fillRect/>
+          </a:stretch>
+        </p:blipFill>
+        <p:spPr>
+          <a:xfrm>
+            <a:off x="558093" y="778922"/>
+            <a:ext cx="5537907" cy="3967665"/>
+          </a:xfrm>
+          <a:prstGeom prst="rect">
+            <a:avLst/>
+          </a:prstGeom>
+        </p:spPr>
+      </p:pic>
+      <p:pic>
+        <p:nvPicPr>
+          <p:cNvPr id="5" name="图片 4">
+            <a:extLst>
+              <a:ext uri="{FF2B5EF4-FFF2-40B4-BE49-F238E27FC236}">
+                <a16:creationId xmlns:a16="http://schemas.microsoft.com/office/drawing/2014/main" id="{C0613503-3608-42FE-A01B-82A0BFDDE5EC}"/>
+              </a:ext>
+            </a:extLst>
+          </p:cNvPr>
+          <p:cNvPicPr>
+            <a:picLocks noChangeAspect="1"/>
+          </p:cNvPicPr>
+          <p:nvPr/>
+        </p:nvPicPr>
+        <p:blipFill>
+          <a:blip r:embed="rId3">
+            <a:extLst>
+              <a:ext uri="{28A0092B-C50C-407E-A947-70E740481C1C}">
+                <a14:useLocalDpi xmlns:a14="http://schemas.microsoft.com/office/drawing/2010/main" val="0"/>
+              </a:ext>
+            </a:extLst>
+          </a:blip>
+          <a:stretch>
+            <a:fillRect/>
+          </a:stretch>
+        </p:blipFill>
+        <p:spPr>
+          <a:xfrm>
+            <a:off x="300918" y="4746587"/>
+            <a:ext cx="6196058" cy="1981214"/>
+          </a:xfrm>
+          <a:prstGeom prst="rect">
+            <a:avLst/>
+          </a:prstGeom>
+        </p:spPr>
+      </p:pic>
+      <p:pic>
+        <p:nvPicPr>
+          <p:cNvPr id="7" name="图片 6">
+            <a:extLst>
+              <a:ext uri="{FF2B5EF4-FFF2-40B4-BE49-F238E27FC236}">
+                <a16:creationId xmlns:a16="http://schemas.microsoft.com/office/drawing/2014/main" id="{2A91FCD4-6E60-49F4-A7C8-6F9E04CE518F}"/>
+              </a:ext>
+            </a:extLst>
+          </p:cNvPr>
+          <p:cNvPicPr>
+            <a:picLocks noChangeAspect="1"/>
+          </p:cNvPicPr>
+          <p:nvPr/>
+        </p:nvPicPr>
+        <p:blipFill>
+          <a:blip r:embed="rId4">
+            <a:extLst>
+              <a:ext uri="{28A0092B-C50C-407E-A947-70E740481C1C}">
+                <a14:useLocalDpi xmlns:a14="http://schemas.microsoft.com/office/drawing/2010/main" val="0"/>
+              </a:ext>
+            </a:extLst>
+          </a:blip>
+          <a:stretch>
+            <a:fillRect/>
+          </a:stretch>
+        </p:blipFill>
+        <p:spPr>
+          <a:xfrm>
+            <a:off x="7164376" y="2266950"/>
+            <a:ext cx="3076597" cy="2152666"/>
+          </a:xfrm>
+          <a:prstGeom prst="rect">
+            <a:avLst/>
+          </a:prstGeom>
+        </p:spPr>
+      </p:pic>
+      <p:pic>
+        <p:nvPicPr>
+          <p:cNvPr id="9" name="图片 8">
+            <a:extLst>
+              <a:ext uri="{FF2B5EF4-FFF2-40B4-BE49-F238E27FC236}">
+                <a16:creationId xmlns:a16="http://schemas.microsoft.com/office/drawing/2014/main" id="{BE32F438-D4CB-461B-8185-A408826D0E35}"/>
+              </a:ext>
+            </a:extLst>
+          </p:cNvPr>
+          <p:cNvPicPr>
+            <a:picLocks noChangeAspect="1"/>
+          </p:cNvPicPr>
+          <p:nvPr/>
+        </p:nvPicPr>
+        <p:blipFill>
+          <a:blip r:embed="rId5">
+            <a:extLst>
+              <a:ext uri="{28A0092B-C50C-407E-A947-70E740481C1C}">
+                <a14:useLocalDpi xmlns:a14="http://schemas.microsoft.com/office/drawing/2010/main" val="0"/>
+              </a:ext>
+            </a:extLst>
+          </a:blip>
+          <a:stretch>
+            <a:fillRect/>
+          </a:stretch>
+        </p:blipFill>
+        <p:spPr>
+          <a:xfrm>
+            <a:off x="6807977" y="5110157"/>
+            <a:ext cx="4557746" cy="1438286"/>
+          </a:xfrm>
+          <a:prstGeom prst="rect">
+            <a:avLst/>
+          </a:prstGeom>
+        </p:spPr>
+      </p:pic>
+      <p:sp>
+        <p:nvSpPr>
+          <p:cNvPr id="10" name="文本框 9">
+            <a:extLst>
+              <a:ext uri="{FF2B5EF4-FFF2-40B4-BE49-F238E27FC236}">
+                <a16:creationId xmlns:a16="http://schemas.microsoft.com/office/drawing/2014/main" id="{AF6D204E-48C0-48CA-8DBB-99E12853F6B3}"/>
+              </a:ext>
+            </a:extLst>
+          </p:cNvPr>
+          <p:cNvSpPr txBox="1"/>
+          <p:nvPr/>
+        </p:nvSpPr>
+        <p:spPr>
+          <a:xfrm>
+            <a:off x="300918" y="54169"/>
+            <a:ext cx="1914525" cy="369332"/>
+          </a:xfrm>
+          <a:prstGeom prst="rect">
+            <a:avLst/>
+          </a:prstGeom>
+          <a:noFill/>
+        </p:spPr>
+        <p:txBody>
+          <a:bodyPr wrap="square" rtlCol="0">
+            <a:spAutoFit/>
+          </a:bodyPr>
+          <a:lstStyle/>
+          <a:p>
+            <a:r>
+              <a:rPr lang="en-US" altLang="zh-CN" dirty="0"/>
+              <a:t>Gabor filter</a:t>
+            </a:r>
+            <a:endParaRPr lang="zh-CN" altLang="en-US" dirty="0"/>
+          </a:p>
+        </p:txBody>
+      </p:sp>
     </p:spTree>
     <p:extLst>
       <p:ext uri="{BB962C8B-B14F-4D97-AF65-F5344CB8AC3E}">
         <p14:creationId xmlns:p14="http://schemas.microsoft.com/office/powerpoint/2010/main" val="218114853"/>
+      </p:ext>
+    </p:extLst>
+  </p:cSld>
+  <p:clrMapOvr>
+    <a:masterClrMapping/>
+  </p:clrMapOvr>
+</p:sld>
+</file>
+
+<file path=ppt/slides/slide3.xml><?xml version="1.0" encoding="utf-8"?>
+<p:sld xmlns:a="http://schemas.openxmlformats.org/drawingml/2006/main" xmlns:r="http://schemas.openxmlformats.org/officeDocument/2006/relationships" xmlns:p="http://schemas.openxmlformats.org/presentationml/2006/main">
+  <p:cSld>
+    <p:spTree>
+      <p:nvGrpSpPr>
+        <p:cNvPr id="1" name=""/>
+        <p:cNvGrpSpPr/>
+        <p:nvPr/>
+      </p:nvGrpSpPr>
+      <p:grpSpPr>
+        <a:xfrm>
+          <a:off x="0" y="0"/>
+          <a:ext cx="0" cy="0"/>
+          <a:chOff x="0" y="0"/>
+          <a:chExt cx="0" cy="0"/>
+        </a:xfrm>
+      </p:grpSpPr>
+      <p:pic>
+        <p:nvPicPr>
+          <p:cNvPr id="4" name="图片 3">
+            <a:extLst>
+              <a:ext uri="{FF2B5EF4-FFF2-40B4-BE49-F238E27FC236}">
+                <a16:creationId xmlns:a16="http://schemas.microsoft.com/office/drawing/2014/main" id="{666677CC-BBC9-4562-BA60-AB23D563D7A4}"/>
+              </a:ext>
+            </a:extLst>
+          </p:cNvPr>
+          <p:cNvPicPr>
+            <a:picLocks noChangeAspect="1"/>
+          </p:cNvPicPr>
+          <p:nvPr/>
+        </p:nvPicPr>
+        <p:blipFill>
+          <a:blip r:embed="rId2"/>
+          <a:stretch>
+            <a:fillRect/>
+          </a:stretch>
+        </p:blipFill>
+        <p:spPr>
+          <a:xfrm>
+            <a:off x="7460797" y="400050"/>
+            <a:ext cx="3040970" cy="6057900"/>
+          </a:xfrm>
+          <a:prstGeom prst="rect">
+            <a:avLst/>
+          </a:prstGeom>
+        </p:spPr>
+      </p:pic>
+      <p:pic>
+        <p:nvPicPr>
+          <p:cNvPr id="5" name="图片 4">
+            <a:extLst>
+              <a:ext uri="{FF2B5EF4-FFF2-40B4-BE49-F238E27FC236}">
+                <a16:creationId xmlns:a16="http://schemas.microsoft.com/office/drawing/2014/main" id="{1EA39B96-1D5A-4BCF-AE3A-3746A7E8E654}"/>
+              </a:ext>
+            </a:extLst>
+          </p:cNvPr>
+          <p:cNvPicPr>
+            <a:picLocks noChangeAspect="1"/>
+          </p:cNvPicPr>
+          <p:nvPr/>
+        </p:nvPicPr>
+        <p:blipFill>
+          <a:blip r:embed="rId3"/>
+          <a:stretch>
+            <a:fillRect/>
+          </a:stretch>
+        </p:blipFill>
+        <p:spPr>
+          <a:xfrm>
+            <a:off x="823913" y="400050"/>
+            <a:ext cx="4681538" cy="1316898"/>
+          </a:xfrm>
+          <a:prstGeom prst="rect">
+            <a:avLst/>
+          </a:prstGeom>
+        </p:spPr>
+      </p:pic>
+    </p:spTree>
+    <p:extLst>
+      <p:ext uri="{BB962C8B-B14F-4D97-AF65-F5344CB8AC3E}">
+        <p14:creationId xmlns:p14="http://schemas.microsoft.com/office/powerpoint/2010/main" val="2683455034"/>
       </p:ext>
     </p:extLst>
   </p:cSld>
